--- a/sources/repo_diagram.pptx
+++ b/sources/repo_diagram.pptx
@@ -7,6 +7,7 @@
   <p:sldIdLst>
     <p:sldId id="256" r:id="rId2"/>
     <p:sldId id="257" r:id="rId3"/>
+    <p:sldId id="258" r:id="rId4"/>
   </p:sldIdLst>
   <p:sldSz cx="12192000" cy="6858000"/>
   <p:notesSz cx="6858000" cy="9144000"/>
@@ -260,7 +261,7 @@
           <a:p>
             <a:fld id="{884F25A2-1834-48D4-9E2D-CAB7719FBC7D}" type="datetimeFigureOut">
               <a:rPr lang="zh-CN" altLang="en-US" smtClean="0"/>
-              <a:t>2023/8/28</a:t>
+              <a:t>2023/11/11</a:t>
             </a:fld>
             <a:endParaRPr lang="zh-CN" altLang="en-US"/>
           </a:p>
@@ -458,7 +459,7 @@
           <a:p>
             <a:fld id="{884F25A2-1834-48D4-9E2D-CAB7719FBC7D}" type="datetimeFigureOut">
               <a:rPr lang="zh-CN" altLang="en-US" smtClean="0"/>
-              <a:t>2023/8/28</a:t>
+              <a:t>2023/11/11</a:t>
             </a:fld>
             <a:endParaRPr lang="zh-CN" altLang="en-US"/>
           </a:p>
@@ -666,7 +667,7 @@
           <a:p>
             <a:fld id="{884F25A2-1834-48D4-9E2D-CAB7719FBC7D}" type="datetimeFigureOut">
               <a:rPr lang="zh-CN" altLang="en-US" smtClean="0"/>
-              <a:t>2023/8/28</a:t>
+              <a:t>2023/11/11</a:t>
             </a:fld>
             <a:endParaRPr lang="zh-CN" altLang="en-US"/>
           </a:p>
@@ -864,7 +865,7 @@
           <a:p>
             <a:fld id="{884F25A2-1834-48D4-9E2D-CAB7719FBC7D}" type="datetimeFigureOut">
               <a:rPr lang="zh-CN" altLang="en-US" smtClean="0"/>
-              <a:t>2023/8/28</a:t>
+              <a:t>2023/11/11</a:t>
             </a:fld>
             <a:endParaRPr lang="zh-CN" altLang="en-US"/>
           </a:p>
@@ -1139,7 +1140,7 @@
           <a:p>
             <a:fld id="{884F25A2-1834-48D4-9E2D-CAB7719FBC7D}" type="datetimeFigureOut">
               <a:rPr lang="zh-CN" altLang="en-US" smtClean="0"/>
-              <a:t>2023/8/28</a:t>
+              <a:t>2023/11/11</a:t>
             </a:fld>
             <a:endParaRPr lang="zh-CN" altLang="en-US"/>
           </a:p>
@@ -1404,7 +1405,7 @@
           <a:p>
             <a:fld id="{884F25A2-1834-48D4-9E2D-CAB7719FBC7D}" type="datetimeFigureOut">
               <a:rPr lang="zh-CN" altLang="en-US" smtClean="0"/>
-              <a:t>2023/8/28</a:t>
+              <a:t>2023/11/11</a:t>
             </a:fld>
             <a:endParaRPr lang="zh-CN" altLang="en-US"/>
           </a:p>
@@ -1816,7 +1817,7 @@
           <a:p>
             <a:fld id="{884F25A2-1834-48D4-9E2D-CAB7719FBC7D}" type="datetimeFigureOut">
               <a:rPr lang="zh-CN" altLang="en-US" smtClean="0"/>
-              <a:t>2023/8/28</a:t>
+              <a:t>2023/11/11</a:t>
             </a:fld>
             <a:endParaRPr lang="zh-CN" altLang="en-US"/>
           </a:p>
@@ -1957,7 +1958,7 @@
           <a:p>
             <a:fld id="{884F25A2-1834-48D4-9E2D-CAB7719FBC7D}" type="datetimeFigureOut">
               <a:rPr lang="zh-CN" altLang="en-US" smtClean="0"/>
-              <a:t>2023/8/28</a:t>
+              <a:t>2023/11/11</a:t>
             </a:fld>
             <a:endParaRPr lang="zh-CN" altLang="en-US"/>
           </a:p>
@@ -2070,7 +2071,7 @@
           <a:p>
             <a:fld id="{884F25A2-1834-48D4-9E2D-CAB7719FBC7D}" type="datetimeFigureOut">
               <a:rPr lang="zh-CN" altLang="en-US" smtClean="0"/>
-              <a:t>2023/8/28</a:t>
+              <a:t>2023/11/11</a:t>
             </a:fld>
             <a:endParaRPr lang="zh-CN" altLang="en-US"/>
           </a:p>
@@ -2381,7 +2382,7 @@
           <a:p>
             <a:fld id="{884F25A2-1834-48D4-9E2D-CAB7719FBC7D}" type="datetimeFigureOut">
               <a:rPr lang="zh-CN" altLang="en-US" smtClean="0"/>
-              <a:t>2023/8/28</a:t>
+              <a:t>2023/11/11</a:t>
             </a:fld>
             <a:endParaRPr lang="zh-CN" altLang="en-US"/>
           </a:p>
@@ -2669,7 +2670,7 @@
           <a:p>
             <a:fld id="{884F25A2-1834-48D4-9E2D-CAB7719FBC7D}" type="datetimeFigureOut">
               <a:rPr lang="zh-CN" altLang="en-US" smtClean="0"/>
-              <a:t>2023/8/28</a:t>
+              <a:t>2023/11/11</a:t>
             </a:fld>
             <a:endParaRPr lang="zh-CN" altLang="en-US"/>
           </a:p>
@@ -2910,7 +2911,7 @@
           <a:p>
             <a:fld id="{884F25A2-1834-48D4-9E2D-CAB7719FBC7D}" type="datetimeFigureOut">
               <a:rPr lang="zh-CN" altLang="en-US" smtClean="0"/>
-              <a:t>2023/8/28</a:t>
+              <a:t>2023/11/11</a:t>
             </a:fld>
             <a:endParaRPr lang="zh-CN" altLang="en-US"/>
           </a:p>
@@ -4434,6 +4435,1159 @@
 </p:sld>
 </file>
 
+<file path=ppt/slides/slide3.xml><?xml version="1.0" encoding="utf-8"?>
+<p:sld xmlns:a="http://schemas.openxmlformats.org/drawingml/2006/main" xmlns:r="http://schemas.openxmlformats.org/officeDocument/2006/relationships" xmlns:p="http://schemas.openxmlformats.org/presentationml/2006/main">
+  <p:cSld>
+    <p:spTree>
+      <p:nvGrpSpPr>
+        <p:cNvPr id="1" name=""/>
+        <p:cNvGrpSpPr/>
+        <p:nvPr/>
+      </p:nvGrpSpPr>
+      <p:grpSpPr>
+        <a:xfrm>
+          <a:off x="0" y="0"/>
+          <a:ext cx="0" cy="0"/>
+          <a:chOff x="0" y="0"/>
+          <a:chExt cx="0" cy="0"/>
+        </a:xfrm>
+      </p:grpSpPr>
+      <p:sp>
+        <p:nvSpPr>
+          <p:cNvPr id="31" name="矩形 30">
+            <a:extLst>
+              <a:ext uri="{FF2B5EF4-FFF2-40B4-BE49-F238E27FC236}">
+                <a16:creationId xmlns:a16="http://schemas.microsoft.com/office/drawing/2014/main" id="{08B18B0E-E7AE-153C-23F6-02841E979EA9}"/>
+              </a:ext>
+            </a:extLst>
+          </p:cNvPr>
+          <p:cNvSpPr/>
+          <p:nvPr/>
+        </p:nvSpPr>
+        <p:spPr>
+          <a:xfrm>
+            <a:off x="2333287" y="2044059"/>
+            <a:ext cx="7883734" cy="2850671"/>
+          </a:xfrm>
+          <a:prstGeom prst="rect">
+            <a:avLst/>
+          </a:prstGeom>
+          <a:solidFill>
+            <a:srgbClr val="BDD7EE">
+              <a:alpha val="41176"/>
+            </a:srgbClr>
+          </a:solidFill>
+        </p:spPr>
+        <p:style>
+          <a:lnRef idx="2">
+            <a:schemeClr val="accent1">
+              <a:shade val="50000"/>
+            </a:schemeClr>
+          </a:lnRef>
+          <a:fillRef idx="1">
+            <a:schemeClr val="accent1"/>
+          </a:fillRef>
+          <a:effectRef idx="0">
+            <a:schemeClr val="accent1"/>
+          </a:effectRef>
+          <a:fontRef idx="minor">
+            <a:schemeClr val="lt1"/>
+          </a:fontRef>
+        </p:style>
+        <p:txBody>
+          <a:bodyPr rtlCol="0" anchor="ctr"/>
+          <a:lstStyle/>
+          <a:p>
+            <a:pPr algn="ctr"/>
+            <a:endParaRPr lang="zh-CN" altLang="en-US"/>
+          </a:p>
+        </p:txBody>
+      </p:sp>
+      <p:sp>
+        <p:nvSpPr>
+          <p:cNvPr id="14" name="cloud-computing_348123">
+            <a:extLst>
+              <a:ext uri="{FF2B5EF4-FFF2-40B4-BE49-F238E27FC236}">
+                <a16:creationId xmlns:a16="http://schemas.microsoft.com/office/drawing/2014/main" id="{668C54A5-F40E-01E3-9C2B-7A77BFF58B76}"/>
+              </a:ext>
+            </a:extLst>
+          </p:cNvPr>
+          <p:cNvSpPr>
+            <a:spLocks noChangeAspect="1"/>
+          </p:cNvSpPr>
+          <p:nvPr/>
+        </p:nvSpPr>
+        <p:spPr bwMode="auto">
+          <a:xfrm>
+            <a:off x="7043797" y="1042193"/>
+            <a:ext cx="1701323" cy="1701125"/>
+          </a:xfrm>
+          <a:custGeom>
+            <a:avLst/>
+            <a:gdLst>
+              <a:gd name="T0" fmla="*/ 5776 w 6302"/>
+              <a:gd name="T1" fmla="*/ 4472 h 6310"/>
+              <a:gd name="T2" fmla="*/ 5270 w 6302"/>
+              <a:gd name="T3" fmla="*/ 4866 h 6310"/>
+              <a:gd name="T4" fmla="*/ 4858 w 6302"/>
+              <a:gd name="T5" fmla="*/ 4866 h 6310"/>
+              <a:gd name="T6" fmla="*/ 4858 w 6302"/>
+              <a:gd name="T7" fmla="*/ 3708 h 6310"/>
+              <a:gd name="T8" fmla="*/ 5776 w 6302"/>
+              <a:gd name="T9" fmla="*/ 2634 h 6310"/>
+              <a:gd name="T10" fmla="*/ 5050 w 6302"/>
+              <a:gd name="T11" fmla="*/ 1594 h 6310"/>
+              <a:gd name="T12" fmla="*/ 5094 w 6302"/>
+              <a:gd name="T13" fmla="*/ 1179 h 6310"/>
+              <a:gd name="T14" fmla="*/ 3822 w 6302"/>
+              <a:gd name="T15" fmla="*/ 8 h 6310"/>
+              <a:gd name="T16" fmla="*/ 2623 w 6302"/>
+              <a:gd name="T17" fmla="*/ 780 h 6310"/>
+              <a:gd name="T18" fmla="*/ 1936 w 6302"/>
+              <a:gd name="T19" fmla="*/ 590 h 6310"/>
+              <a:gd name="T20" fmla="*/ 1119 w 6302"/>
+              <a:gd name="T21" fmla="*/ 1212 h 6310"/>
+              <a:gd name="T22" fmla="*/ 1074 w 6302"/>
+              <a:gd name="T23" fmla="*/ 1677 h 6310"/>
+              <a:gd name="T24" fmla="*/ 525 w 6302"/>
+              <a:gd name="T25" fmla="*/ 2634 h 6310"/>
+              <a:gd name="T26" fmla="*/ 1444 w 6302"/>
+              <a:gd name="T27" fmla="*/ 3706 h 6310"/>
+              <a:gd name="T28" fmla="*/ 1444 w 6302"/>
+              <a:gd name="T29" fmla="*/ 4866 h 6310"/>
+              <a:gd name="T30" fmla="*/ 1032 w 6302"/>
+              <a:gd name="T31" fmla="*/ 4866 h 6310"/>
+              <a:gd name="T32" fmla="*/ 525 w 6302"/>
+              <a:gd name="T33" fmla="*/ 4472 h 6310"/>
+              <a:gd name="T34" fmla="*/ 0 w 6302"/>
+              <a:gd name="T35" fmla="*/ 4997 h 6310"/>
+              <a:gd name="T36" fmla="*/ 525 w 6302"/>
+              <a:gd name="T37" fmla="*/ 5522 h 6310"/>
+              <a:gd name="T38" fmla="*/ 1032 w 6302"/>
+              <a:gd name="T39" fmla="*/ 5128 h 6310"/>
+              <a:gd name="T40" fmla="*/ 1707 w 6302"/>
+              <a:gd name="T41" fmla="*/ 5128 h 6310"/>
+              <a:gd name="T42" fmla="*/ 1707 w 6302"/>
+              <a:gd name="T43" fmla="*/ 3739 h 6310"/>
+              <a:gd name="T44" fmla="*/ 1754 w 6302"/>
+              <a:gd name="T45" fmla="*/ 3741 h 6310"/>
+              <a:gd name="T46" fmla="*/ 2363 w 6302"/>
+              <a:gd name="T47" fmla="*/ 3741 h 6310"/>
+              <a:gd name="T48" fmla="*/ 2363 w 6302"/>
+              <a:gd name="T49" fmla="*/ 5278 h 6310"/>
+              <a:gd name="T50" fmla="*/ 1969 w 6302"/>
+              <a:gd name="T51" fmla="*/ 5785 h 6310"/>
+              <a:gd name="T52" fmla="*/ 2494 w 6302"/>
+              <a:gd name="T53" fmla="*/ 6310 h 6310"/>
+              <a:gd name="T54" fmla="*/ 3020 w 6302"/>
+              <a:gd name="T55" fmla="*/ 5785 h 6310"/>
+              <a:gd name="T56" fmla="*/ 2626 w 6302"/>
+              <a:gd name="T57" fmla="*/ 5278 h 6310"/>
+              <a:gd name="T58" fmla="*/ 2626 w 6302"/>
+              <a:gd name="T59" fmla="*/ 3741 h 6310"/>
+              <a:gd name="T60" fmla="*/ 3676 w 6302"/>
+              <a:gd name="T61" fmla="*/ 3741 h 6310"/>
+              <a:gd name="T62" fmla="*/ 3676 w 6302"/>
+              <a:gd name="T63" fmla="*/ 5278 h 6310"/>
+              <a:gd name="T64" fmla="*/ 3282 w 6302"/>
+              <a:gd name="T65" fmla="*/ 5785 h 6310"/>
+              <a:gd name="T66" fmla="*/ 3807 w 6302"/>
+              <a:gd name="T67" fmla="*/ 6310 h 6310"/>
+              <a:gd name="T68" fmla="*/ 4332 w 6302"/>
+              <a:gd name="T69" fmla="*/ 5785 h 6310"/>
+              <a:gd name="T70" fmla="*/ 3939 w 6302"/>
+              <a:gd name="T71" fmla="*/ 5278 h 6310"/>
+              <a:gd name="T72" fmla="*/ 3939 w 6302"/>
+              <a:gd name="T73" fmla="*/ 3741 h 6310"/>
+              <a:gd name="T74" fmla="*/ 4548 w 6302"/>
+              <a:gd name="T75" fmla="*/ 3741 h 6310"/>
+              <a:gd name="T76" fmla="*/ 4595 w 6302"/>
+              <a:gd name="T77" fmla="*/ 3739 h 6310"/>
+              <a:gd name="T78" fmla="*/ 4595 w 6302"/>
+              <a:gd name="T79" fmla="*/ 5128 h 6310"/>
+              <a:gd name="T80" fmla="*/ 5270 w 6302"/>
+              <a:gd name="T81" fmla="*/ 5128 h 6310"/>
+              <a:gd name="T82" fmla="*/ 5777 w 6302"/>
+              <a:gd name="T83" fmla="*/ 5522 h 6310"/>
+              <a:gd name="T84" fmla="*/ 6302 w 6302"/>
+              <a:gd name="T85" fmla="*/ 4997 h 6310"/>
+              <a:gd name="T86" fmla="*/ 5776 w 6302"/>
+              <a:gd name="T87" fmla="*/ 4472 h 6310"/>
+            </a:gdLst>
+            <a:ahLst/>
+            <a:cxnLst>
+              <a:cxn ang="0">
+                <a:pos x="T0" y="T1"/>
+              </a:cxn>
+              <a:cxn ang="0">
+                <a:pos x="T2" y="T3"/>
+              </a:cxn>
+              <a:cxn ang="0">
+                <a:pos x="T4" y="T5"/>
+              </a:cxn>
+              <a:cxn ang="0">
+                <a:pos x="T6" y="T7"/>
+              </a:cxn>
+              <a:cxn ang="0">
+                <a:pos x="T8" y="T9"/>
+              </a:cxn>
+              <a:cxn ang="0">
+                <a:pos x="T10" y="T11"/>
+              </a:cxn>
+              <a:cxn ang="0">
+                <a:pos x="T12" y="T13"/>
+              </a:cxn>
+              <a:cxn ang="0">
+                <a:pos x="T14" y="T15"/>
+              </a:cxn>
+              <a:cxn ang="0">
+                <a:pos x="T16" y="T17"/>
+              </a:cxn>
+              <a:cxn ang="0">
+                <a:pos x="T18" y="T19"/>
+              </a:cxn>
+              <a:cxn ang="0">
+                <a:pos x="T20" y="T21"/>
+              </a:cxn>
+              <a:cxn ang="0">
+                <a:pos x="T22" y="T23"/>
+              </a:cxn>
+              <a:cxn ang="0">
+                <a:pos x="T24" y="T25"/>
+              </a:cxn>
+              <a:cxn ang="0">
+                <a:pos x="T26" y="T27"/>
+              </a:cxn>
+              <a:cxn ang="0">
+                <a:pos x="T28" y="T29"/>
+              </a:cxn>
+              <a:cxn ang="0">
+                <a:pos x="T30" y="T31"/>
+              </a:cxn>
+              <a:cxn ang="0">
+                <a:pos x="T32" y="T33"/>
+              </a:cxn>
+              <a:cxn ang="0">
+                <a:pos x="T34" y="T35"/>
+              </a:cxn>
+              <a:cxn ang="0">
+                <a:pos x="T36" y="T37"/>
+              </a:cxn>
+              <a:cxn ang="0">
+                <a:pos x="T38" y="T39"/>
+              </a:cxn>
+              <a:cxn ang="0">
+                <a:pos x="T40" y="T41"/>
+              </a:cxn>
+              <a:cxn ang="0">
+                <a:pos x="T42" y="T43"/>
+              </a:cxn>
+              <a:cxn ang="0">
+                <a:pos x="T44" y="T45"/>
+              </a:cxn>
+              <a:cxn ang="0">
+                <a:pos x="T46" y="T47"/>
+              </a:cxn>
+              <a:cxn ang="0">
+                <a:pos x="T48" y="T49"/>
+              </a:cxn>
+              <a:cxn ang="0">
+                <a:pos x="T50" y="T51"/>
+              </a:cxn>
+              <a:cxn ang="0">
+                <a:pos x="T52" y="T53"/>
+              </a:cxn>
+              <a:cxn ang="0">
+                <a:pos x="T54" y="T55"/>
+              </a:cxn>
+              <a:cxn ang="0">
+                <a:pos x="T56" y="T57"/>
+              </a:cxn>
+              <a:cxn ang="0">
+                <a:pos x="T58" y="T59"/>
+              </a:cxn>
+              <a:cxn ang="0">
+                <a:pos x="T60" y="T61"/>
+              </a:cxn>
+              <a:cxn ang="0">
+                <a:pos x="T62" y="T63"/>
+              </a:cxn>
+              <a:cxn ang="0">
+                <a:pos x="T64" y="T65"/>
+              </a:cxn>
+              <a:cxn ang="0">
+                <a:pos x="T66" y="T67"/>
+              </a:cxn>
+              <a:cxn ang="0">
+                <a:pos x="T68" y="T69"/>
+              </a:cxn>
+              <a:cxn ang="0">
+                <a:pos x="T70" y="T71"/>
+              </a:cxn>
+              <a:cxn ang="0">
+                <a:pos x="T72" y="T73"/>
+              </a:cxn>
+              <a:cxn ang="0">
+                <a:pos x="T74" y="T75"/>
+              </a:cxn>
+              <a:cxn ang="0">
+                <a:pos x="T76" y="T77"/>
+              </a:cxn>
+              <a:cxn ang="0">
+                <a:pos x="T78" y="T79"/>
+              </a:cxn>
+              <a:cxn ang="0">
+                <a:pos x="T80" y="T81"/>
+              </a:cxn>
+              <a:cxn ang="0">
+                <a:pos x="T82" y="T83"/>
+              </a:cxn>
+              <a:cxn ang="0">
+                <a:pos x="T84" y="T85"/>
+              </a:cxn>
+              <a:cxn ang="0">
+                <a:pos x="T86" y="T87"/>
+              </a:cxn>
+            </a:cxnLst>
+            <a:rect l="0" t="0" r="r" b="b"/>
+            <a:pathLst>
+              <a:path w="6302" h="6310">
+                <a:moveTo>
+                  <a:pt x="5776" y="4472"/>
+                </a:moveTo>
+                <a:cubicBezTo>
+                  <a:pt x="5532" y="4472"/>
+                  <a:pt x="5329" y="4640"/>
+                  <a:pt x="5270" y="4866"/>
+                </a:cubicBezTo>
+                <a:lnTo>
+                  <a:pt x="4858" y="4866"/>
+                </a:lnTo>
+                <a:lnTo>
+                  <a:pt x="4858" y="3708"/>
+                </a:lnTo>
+                <a:cubicBezTo>
+                  <a:pt x="5405" y="3593"/>
+                  <a:pt x="5776" y="3177"/>
+                  <a:pt x="5776" y="2634"/>
+                </a:cubicBezTo>
+                <a:cubicBezTo>
+                  <a:pt x="5776" y="2166"/>
+                  <a:pt x="5478" y="1752"/>
+                  <a:pt x="5050" y="1594"/>
+                </a:cubicBezTo>
+                <a:cubicBezTo>
+                  <a:pt x="5089" y="1464"/>
+                  <a:pt x="5103" y="1329"/>
+                  <a:pt x="5094" y="1179"/>
+                </a:cubicBezTo>
+                <a:cubicBezTo>
+                  <a:pt x="5054" y="539"/>
+                  <a:pt x="4483" y="13"/>
+                  <a:pt x="3822" y="8"/>
+                </a:cubicBezTo>
+                <a:cubicBezTo>
+                  <a:pt x="3289" y="0"/>
+                  <a:pt x="2820" y="318"/>
+                  <a:pt x="2623" y="780"/>
+                </a:cubicBezTo>
+                <a:cubicBezTo>
+                  <a:pt x="2430" y="636"/>
+                  <a:pt x="2185" y="566"/>
+                  <a:pt x="1936" y="590"/>
+                </a:cubicBezTo>
+                <a:cubicBezTo>
+                  <a:pt x="1578" y="624"/>
+                  <a:pt x="1264" y="861"/>
+                  <a:pt x="1119" y="1212"/>
+                </a:cubicBezTo>
+                <a:cubicBezTo>
+                  <a:pt x="1049" y="1379"/>
+                  <a:pt x="1058" y="1564"/>
+                  <a:pt x="1074" y="1677"/>
+                </a:cubicBezTo>
+                <a:cubicBezTo>
+                  <a:pt x="738" y="1874"/>
+                  <a:pt x="525" y="2239"/>
+                  <a:pt x="525" y="2634"/>
+                </a:cubicBezTo>
+                <a:cubicBezTo>
+                  <a:pt x="525" y="3167"/>
+                  <a:pt x="903" y="3589"/>
+                  <a:pt x="1444" y="3706"/>
+                </a:cubicBezTo>
+                <a:lnTo>
+                  <a:pt x="1444" y="4866"/>
+                </a:lnTo>
+                <a:lnTo>
+                  <a:pt x="1032" y="4866"/>
+                </a:lnTo>
+                <a:cubicBezTo>
+                  <a:pt x="973" y="4640"/>
+                  <a:pt x="769" y="4472"/>
+                  <a:pt x="525" y="4472"/>
+                </a:cubicBezTo>
+                <a:cubicBezTo>
+                  <a:pt x="235" y="4472"/>
+                  <a:pt x="0" y="4707"/>
+                  <a:pt x="0" y="4997"/>
+                </a:cubicBezTo>
+                <a:cubicBezTo>
+                  <a:pt x="0" y="5286"/>
+                  <a:pt x="235" y="5522"/>
+                  <a:pt x="525" y="5522"/>
+                </a:cubicBezTo>
+                <a:cubicBezTo>
+                  <a:pt x="769" y="5522"/>
+                  <a:pt x="973" y="5354"/>
+                  <a:pt x="1032" y="5128"/>
+                </a:cubicBezTo>
+                <a:lnTo>
+                  <a:pt x="1707" y="5128"/>
+                </a:lnTo>
+                <a:lnTo>
+                  <a:pt x="1707" y="3739"/>
+                </a:lnTo>
+                <a:cubicBezTo>
+                  <a:pt x="1722" y="3739"/>
+                  <a:pt x="1738" y="3741"/>
+                  <a:pt x="1754" y="3741"/>
+                </a:cubicBezTo>
+                <a:lnTo>
+                  <a:pt x="2363" y="3741"/>
+                </a:lnTo>
+                <a:lnTo>
+                  <a:pt x="2363" y="5278"/>
+                </a:lnTo>
+                <a:cubicBezTo>
+                  <a:pt x="2137" y="5337"/>
+                  <a:pt x="1969" y="5540"/>
+                  <a:pt x="1969" y="5785"/>
+                </a:cubicBezTo>
+                <a:cubicBezTo>
+                  <a:pt x="1969" y="6073"/>
+                  <a:pt x="2204" y="6310"/>
+                  <a:pt x="2494" y="6310"/>
+                </a:cubicBezTo>
+                <a:cubicBezTo>
+                  <a:pt x="2785" y="6310"/>
+                  <a:pt x="3020" y="6073"/>
+                  <a:pt x="3020" y="5785"/>
+                </a:cubicBezTo>
+                <a:cubicBezTo>
+                  <a:pt x="3020" y="5540"/>
+                  <a:pt x="2852" y="5337"/>
+                  <a:pt x="2626" y="5278"/>
+                </a:cubicBezTo>
+                <a:lnTo>
+                  <a:pt x="2626" y="3741"/>
+                </a:lnTo>
+                <a:lnTo>
+                  <a:pt x="3676" y="3741"/>
+                </a:lnTo>
+                <a:lnTo>
+                  <a:pt x="3676" y="5278"/>
+                </a:lnTo>
+                <a:cubicBezTo>
+                  <a:pt x="3450" y="5337"/>
+                  <a:pt x="3282" y="5540"/>
+                  <a:pt x="3282" y="5785"/>
+                </a:cubicBezTo>
+                <a:cubicBezTo>
+                  <a:pt x="3282" y="6073"/>
+                  <a:pt x="3517" y="6310"/>
+                  <a:pt x="3807" y="6310"/>
+                </a:cubicBezTo>
+                <a:cubicBezTo>
+                  <a:pt x="4097" y="6310"/>
+                  <a:pt x="4332" y="6073"/>
+                  <a:pt x="4332" y="5785"/>
+                </a:cubicBezTo>
+                <a:cubicBezTo>
+                  <a:pt x="4332" y="5540"/>
+                  <a:pt x="4164" y="5337"/>
+                  <a:pt x="3939" y="5278"/>
+                </a:cubicBezTo>
+                <a:lnTo>
+                  <a:pt x="3939" y="3741"/>
+                </a:lnTo>
+                <a:lnTo>
+                  <a:pt x="4548" y="3741"/>
+                </a:lnTo>
+                <a:cubicBezTo>
+                  <a:pt x="4563" y="3741"/>
+                  <a:pt x="4579" y="3739"/>
+                  <a:pt x="4595" y="3739"/>
+                </a:cubicBezTo>
+                <a:lnTo>
+                  <a:pt x="4595" y="5128"/>
+                </a:lnTo>
+                <a:lnTo>
+                  <a:pt x="5270" y="5128"/>
+                </a:lnTo>
+                <a:cubicBezTo>
+                  <a:pt x="5329" y="5354"/>
+                  <a:pt x="5532" y="5522"/>
+                  <a:pt x="5777" y="5522"/>
+                </a:cubicBezTo>
+                <a:cubicBezTo>
+                  <a:pt x="6067" y="5522"/>
+                  <a:pt x="6302" y="5286"/>
+                  <a:pt x="6302" y="4997"/>
+                </a:cubicBezTo>
+                <a:cubicBezTo>
+                  <a:pt x="6302" y="4707"/>
+                  <a:pt x="6067" y="4472"/>
+                  <a:pt x="5776" y="4472"/>
+                </a:cubicBezTo>
+                <a:close/>
+              </a:path>
+            </a:pathLst>
+          </a:custGeom>
+          <a:solidFill>
+            <a:schemeClr val="accent1"/>
+          </a:solidFill>
+          <a:ln>
+            <a:noFill/>
+          </a:ln>
+        </p:spPr>
+        <p:txBody>
+          <a:bodyPr/>
+          <a:lstStyle/>
+          <a:p>
+            <a:endParaRPr lang="zh-CN" altLang="en-US" dirty="0"/>
+          </a:p>
+        </p:txBody>
+      </p:sp>
+      <p:grpSp>
+        <p:nvGrpSpPr>
+          <p:cNvPr id="20" name="组合 19">
+            <a:extLst>
+              <a:ext uri="{FF2B5EF4-FFF2-40B4-BE49-F238E27FC236}">
+                <a16:creationId xmlns:a16="http://schemas.microsoft.com/office/drawing/2014/main" id="{BBBDC9A4-ED5E-7925-8960-F15DD17301CE}"/>
+              </a:ext>
+            </a:extLst>
+          </p:cNvPr>
+          <p:cNvGrpSpPr/>
+          <p:nvPr/>
+        </p:nvGrpSpPr>
+        <p:grpSpPr>
+          <a:xfrm>
+            <a:off x="2415713" y="2026607"/>
+            <a:ext cx="5159646" cy="2738140"/>
+            <a:chOff x="2489718" y="2012482"/>
+            <a:chExt cx="5159646" cy="2738140"/>
+          </a:xfrm>
+        </p:grpSpPr>
+        <p:sp>
+          <p:nvSpPr>
+            <p:cNvPr id="16" name="文本框 15">
+              <a:extLst>
+                <a:ext uri="{FF2B5EF4-FFF2-40B4-BE49-F238E27FC236}">
+                  <a16:creationId xmlns:a16="http://schemas.microsoft.com/office/drawing/2014/main" id="{268C82E0-DC1C-47ED-43CB-AE2E013A8985}"/>
+                </a:ext>
+              </a:extLst>
+            </p:cNvPr>
+            <p:cNvSpPr txBox="1"/>
+            <p:nvPr/>
+          </p:nvSpPr>
+          <p:spPr>
+            <a:xfrm>
+              <a:off x="6156647" y="3196885"/>
+              <a:ext cx="1492717" cy="830997"/>
+            </a:xfrm>
+            <a:prstGeom prst="rect">
+              <a:avLst/>
+            </a:prstGeom>
+            <a:noFill/>
+          </p:spPr>
+          <p:txBody>
+            <a:bodyPr wrap="none" rtlCol="0">
+              <a:spAutoFit/>
+            </a:bodyPr>
+            <a:lstStyle/>
+            <a:p>
+              <a:pPr algn="ctr"/>
+              <a:r>
+                <a:rPr lang="en-US" altLang="zh-CN" sz="2400" b="1" dirty="0"/>
+                <a:t>Testing</a:t>
+              </a:r>
+              <a:br>
+                <a:rPr lang="en-US" altLang="zh-CN" sz="2400" b="1" dirty="0"/>
+              </a:br>
+              <a:r>
+                <a:rPr lang="en-US" altLang="zh-CN" sz="2400" b="1" dirty="0"/>
+                <a:t>Examples</a:t>
+              </a:r>
+              <a:endParaRPr lang="zh-CN" altLang="en-US" sz="2400" b="1" dirty="0"/>
+            </a:p>
+          </p:txBody>
+        </p:sp>
+        <p:sp>
+          <p:nvSpPr>
+            <p:cNvPr id="17" name="十字形 16">
+              <a:extLst>
+                <a:ext uri="{FF2B5EF4-FFF2-40B4-BE49-F238E27FC236}">
+                  <a16:creationId xmlns:a16="http://schemas.microsoft.com/office/drawing/2014/main" id="{25D21F02-3AAC-0332-2D06-BF8D90207485}"/>
+                </a:ext>
+              </a:extLst>
+            </p:cNvPr>
+            <p:cNvSpPr/>
+            <p:nvPr/>
+          </p:nvSpPr>
+          <p:spPr>
+            <a:xfrm>
+              <a:off x="5596811" y="3351129"/>
+              <a:ext cx="559836" cy="522514"/>
+            </a:xfrm>
+            <a:prstGeom prst="plus">
+              <a:avLst>
+                <a:gd name="adj" fmla="val 46070"/>
+              </a:avLst>
+            </a:prstGeom>
+          </p:spPr>
+          <p:style>
+            <a:lnRef idx="2">
+              <a:schemeClr val="accent1">
+                <a:shade val="50000"/>
+              </a:schemeClr>
+            </a:lnRef>
+            <a:fillRef idx="1">
+              <a:schemeClr val="accent1"/>
+            </a:fillRef>
+            <a:effectRef idx="0">
+              <a:schemeClr val="accent1"/>
+            </a:effectRef>
+            <a:fontRef idx="minor">
+              <a:schemeClr val="lt1"/>
+            </a:fontRef>
+          </p:style>
+          <p:txBody>
+            <a:bodyPr rtlCol="0" anchor="ctr"/>
+            <a:lstStyle/>
+            <a:p>
+              <a:pPr algn="ctr"/>
+              <a:endParaRPr lang="zh-CN" altLang="en-US"/>
+            </a:p>
+          </p:txBody>
+        </p:sp>
+        <p:grpSp>
+          <p:nvGrpSpPr>
+            <p:cNvPr id="19" name="组合 18">
+              <a:extLst>
+                <a:ext uri="{FF2B5EF4-FFF2-40B4-BE49-F238E27FC236}">
+                  <a16:creationId xmlns:a16="http://schemas.microsoft.com/office/drawing/2014/main" id="{820A1F26-10EF-9F0C-6169-1EF89BCE10C2}"/>
+                </a:ext>
+              </a:extLst>
+            </p:cNvPr>
+            <p:cNvGrpSpPr/>
+            <p:nvPr/>
+          </p:nvGrpSpPr>
+          <p:grpSpPr>
+            <a:xfrm>
+              <a:off x="2489718" y="2012482"/>
+              <a:ext cx="3009900" cy="2738140"/>
+              <a:chOff x="2489718" y="2012482"/>
+              <a:chExt cx="3009900" cy="2738140"/>
+            </a:xfrm>
+          </p:grpSpPr>
+          <p:pic>
+            <p:nvPicPr>
+              <p:cNvPr id="7" name="图片 6">
+                <a:extLst>
+                  <a:ext uri="{FF2B5EF4-FFF2-40B4-BE49-F238E27FC236}">
+                    <a16:creationId xmlns:a16="http://schemas.microsoft.com/office/drawing/2014/main" id="{941BCEFE-BB77-8501-14AE-75621981AC16}"/>
+                  </a:ext>
+                </a:extLst>
+              </p:cNvPr>
+              <p:cNvPicPr>
+                <a:picLocks noChangeAspect="1"/>
+              </p:cNvPicPr>
+              <p:nvPr/>
+            </p:nvPicPr>
+            <p:blipFill>
+              <a:blip r:embed="rId3"/>
+              <a:stretch>
+                <a:fillRect/>
+              </a:stretch>
+            </p:blipFill>
+            <p:spPr>
+              <a:xfrm>
+                <a:off x="2489718" y="2474147"/>
+                <a:ext cx="3009900" cy="2276475"/>
+              </a:xfrm>
+              <a:prstGeom prst="rect">
+                <a:avLst/>
+              </a:prstGeom>
+            </p:spPr>
+          </p:pic>
+          <p:sp>
+            <p:nvSpPr>
+              <p:cNvPr id="18" name="文本框 17">
+                <a:extLst>
+                  <a:ext uri="{FF2B5EF4-FFF2-40B4-BE49-F238E27FC236}">
+                    <a16:creationId xmlns:a16="http://schemas.microsoft.com/office/drawing/2014/main" id="{07C1E0C2-4D48-725E-3230-F4C08706B907}"/>
+                  </a:ext>
+                </a:extLst>
+              </p:cNvPr>
+              <p:cNvSpPr txBox="1"/>
+              <p:nvPr/>
+            </p:nvSpPr>
+            <p:spPr>
+              <a:xfrm>
+                <a:off x="3183703" y="2012482"/>
+                <a:ext cx="1361270" cy="461665"/>
+              </a:xfrm>
+              <a:prstGeom prst="rect">
+                <a:avLst/>
+              </a:prstGeom>
+              <a:noFill/>
+            </p:spPr>
+            <p:txBody>
+              <a:bodyPr wrap="none" rtlCol="0">
+                <a:spAutoFit/>
+              </a:bodyPr>
+              <a:lstStyle/>
+              <a:p>
+                <a:pPr algn="ctr"/>
+                <a:r>
+                  <a:rPr lang="en-US" altLang="zh-CN" sz="2400" b="1" dirty="0"/>
+                  <a:t>Our APP</a:t>
+                </a:r>
+                <a:endParaRPr lang="zh-CN" altLang="en-US" sz="2400" b="1" dirty="0"/>
+              </a:p>
+            </p:txBody>
+          </p:sp>
+        </p:grpSp>
+      </p:grpSp>
+      <p:cxnSp>
+        <p:nvCxnSpPr>
+          <p:cNvPr id="9" name="直接箭头连接符 8">
+            <a:extLst>
+              <a:ext uri="{FF2B5EF4-FFF2-40B4-BE49-F238E27FC236}">
+                <a16:creationId xmlns:a16="http://schemas.microsoft.com/office/drawing/2014/main" id="{843AA7B7-3E5B-6E9A-E537-19519EA71070}"/>
+              </a:ext>
+            </a:extLst>
+          </p:cNvPr>
+          <p:cNvCxnSpPr>
+            <a:cxnSpLocks/>
+            <a:endCxn id="14" idx="17"/>
+          </p:cNvCxnSpPr>
+          <p:nvPr/>
+        </p:nvCxnSpPr>
+        <p:spPr>
+          <a:xfrm flipV="1">
+            <a:off x="3316941" y="2389344"/>
+            <a:ext cx="3726856" cy="1824754"/>
+          </a:xfrm>
+          <a:prstGeom prst="straightConnector1">
+            <a:avLst/>
+          </a:prstGeom>
+          <a:ln>
+            <a:tailEnd type="triangle"/>
+          </a:ln>
+        </p:spPr>
+        <p:style>
+          <a:lnRef idx="1">
+            <a:schemeClr val="accent1"/>
+          </a:lnRef>
+          <a:fillRef idx="0">
+            <a:schemeClr val="accent1"/>
+          </a:fillRef>
+          <a:effectRef idx="0">
+            <a:schemeClr val="accent1"/>
+          </a:effectRef>
+          <a:fontRef idx="minor">
+            <a:schemeClr val="tx1"/>
+          </a:fontRef>
+        </p:style>
+      </p:cxnSp>
+      <p:sp>
+        <p:nvSpPr>
+          <p:cNvPr id="23" name="文本框 22">
+            <a:extLst>
+              <a:ext uri="{FF2B5EF4-FFF2-40B4-BE49-F238E27FC236}">
+                <a16:creationId xmlns:a16="http://schemas.microsoft.com/office/drawing/2014/main" id="{7C21A132-5957-219A-34CE-BFB895391583}"/>
+              </a:ext>
+            </a:extLst>
+          </p:cNvPr>
+          <p:cNvSpPr txBox="1"/>
+          <p:nvPr/>
+        </p:nvSpPr>
+        <p:spPr>
+          <a:xfrm>
+            <a:off x="6119598" y="2464798"/>
+            <a:ext cx="579005" cy="369332"/>
+          </a:xfrm>
+          <a:prstGeom prst="rect">
+            <a:avLst/>
+          </a:prstGeom>
+          <a:noFill/>
+        </p:spPr>
+        <p:txBody>
+          <a:bodyPr wrap="none" rtlCol="0">
+            <a:spAutoFit/>
+          </a:bodyPr>
+          <a:lstStyle/>
+          <a:p>
+            <a:r>
+              <a:rPr lang="en-US" altLang="zh-CN" dirty="0"/>
+              <a:t>TSG</a:t>
+            </a:r>
+            <a:endParaRPr lang="zh-CN" altLang="en-US" dirty="0"/>
+          </a:p>
+        </p:txBody>
+      </p:sp>
+      <p:cxnSp>
+        <p:nvCxnSpPr>
+          <p:cNvPr id="24" name="直接箭头连接符 23">
+            <a:extLst>
+              <a:ext uri="{FF2B5EF4-FFF2-40B4-BE49-F238E27FC236}">
+                <a16:creationId xmlns:a16="http://schemas.microsoft.com/office/drawing/2014/main" id="{D5A47DA6-7E39-A644-A408-4757E2158510}"/>
+              </a:ext>
+            </a:extLst>
+          </p:cNvPr>
+          <p:cNvCxnSpPr>
+            <a:cxnSpLocks/>
+            <a:stCxn id="14" idx="25"/>
+          </p:cNvCxnSpPr>
+          <p:nvPr/>
+        </p:nvCxnSpPr>
+        <p:spPr>
+          <a:xfrm flipH="1">
+            <a:off x="3442447" y="2601782"/>
+            <a:ext cx="4132912" cy="1813335"/>
+          </a:xfrm>
+          <a:prstGeom prst="straightConnector1">
+            <a:avLst/>
+          </a:prstGeom>
+          <a:ln>
+            <a:tailEnd type="triangle"/>
+          </a:ln>
+        </p:spPr>
+        <p:style>
+          <a:lnRef idx="1">
+            <a:schemeClr val="accent1"/>
+          </a:lnRef>
+          <a:fillRef idx="0">
+            <a:schemeClr val="accent1"/>
+          </a:fillRef>
+          <a:effectRef idx="0">
+            <a:schemeClr val="accent1"/>
+          </a:effectRef>
+          <a:fontRef idx="minor">
+            <a:schemeClr val="tx1"/>
+          </a:fontRef>
+        </p:style>
+      </p:cxnSp>
+      <p:sp>
+        <p:nvSpPr>
+          <p:cNvPr id="28" name="文本框 27">
+            <a:extLst>
+              <a:ext uri="{FF2B5EF4-FFF2-40B4-BE49-F238E27FC236}">
+                <a16:creationId xmlns:a16="http://schemas.microsoft.com/office/drawing/2014/main" id="{42E9B6DD-B328-ECF1-540B-AEC1C460FC14}"/>
+              </a:ext>
+            </a:extLst>
+          </p:cNvPr>
+          <p:cNvSpPr txBox="1"/>
+          <p:nvPr/>
+        </p:nvSpPr>
+        <p:spPr>
+          <a:xfrm>
+            <a:off x="6964562" y="2695220"/>
+            <a:ext cx="503664" cy="369332"/>
+          </a:xfrm>
+          <a:prstGeom prst="rect">
+            <a:avLst/>
+          </a:prstGeom>
+          <a:noFill/>
+        </p:spPr>
+        <p:txBody>
+          <a:bodyPr wrap="none" rtlCol="0">
+            <a:spAutoFit/>
+          </a:bodyPr>
+          <a:lstStyle/>
+          <a:p>
+            <a:r>
+              <a:rPr lang="en-US" altLang="zh-CN" dirty="0"/>
+              <a:t>MS</a:t>
+            </a:r>
+            <a:endParaRPr lang="zh-CN" altLang="en-US" dirty="0"/>
+          </a:p>
+        </p:txBody>
+      </p:sp>
+      <p:sp>
+        <p:nvSpPr>
+          <p:cNvPr id="30" name="文本框 29">
+            <a:extLst>
+              <a:ext uri="{FF2B5EF4-FFF2-40B4-BE49-F238E27FC236}">
+                <a16:creationId xmlns:a16="http://schemas.microsoft.com/office/drawing/2014/main" id="{84CD09B2-66D4-9318-7369-F9A8A027B976}"/>
+              </a:ext>
+            </a:extLst>
+          </p:cNvPr>
+          <p:cNvSpPr txBox="1"/>
+          <p:nvPr/>
+        </p:nvSpPr>
+        <p:spPr>
+          <a:xfrm>
+            <a:off x="7349373" y="1361531"/>
+            <a:ext cx="1173719" cy="646331"/>
+          </a:xfrm>
+          <a:prstGeom prst="rect">
+            <a:avLst/>
+          </a:prstGeom>
+          <a:noFill/>
+        </p:spPr>
+        <p:txBody>
+          <a:bodyPr wrap="none" rtlCol="0">
+            <a:spAutoFit/>
+          </a:bodyPr>
+          <a:lstStyle/>
+          <a:p>
+            <a:r>
+              <a:rPr lang="en-US" altLang="zh-CN" dirty="0">
+                <a:solidFill>
+                  <a:schemeClr val="bg1"/>
+                </a:solidFill>
+              </a:rPr>
+              <a:t>TSG</a:t>
+            </a:r>
+            <a:r>
+              <a:rPr lang="zh-CN" altLang="en-US" dirty="0">
+                <a:solidFill>
+                  <a:schemeClr val="bg1"/>
+                </a:solidFill>
+              </a:rPr>
+              <a:t>→</a:t>
+            </a:r>
+            <a:r>
+              <a:rPr lang="en-US" altLang="zh-CN" dirty="0">
+                <a:solidFill>
+                  <a:schemeClr val="bg1"/>
+                </a:solidFill>
+              </a:rPr>
+              <a:t>MS</a:t>
+            </a:r>
+          </a:p>
+          <a:p>
+            <a:r>
+              <a:rPr lang="en-US" altLang="zh-CN" dirty="0">
+                <a:solidFill>
+                  <a:schemeClr val="bg1"/>
+                </a:solidFill>
+              </a:rPr>
+              <a:t>Algorithm</a:t>
+            </a:r>
+          </a:p>
+        </p:txBody>
+      </p:sp>
+      <p:sp>
+        <p:nvSpPr>
+          <p:cNvPr id="32" name="文本框 31">
+            <a:extLst>
+              <a:ext uri="{FF2B5EF4-FFF2-40B4-BE49-F238E27FC236}">
+                <a16:creationId xmlns:a16="http://schemas.microsoft.com/office/drawing/2014/main" id="{7FCCFBC7-A98C-0874-5DC0-5A4730DEE655}"/>
+              </a:ext>
+            </a:extLst>
+          </p:cNvPr>
+          <p:cNvSpPr txBox="1"/>
+          <p:nvPr/>
+        </p:nvSpPr>
+        <p:spPr>
+          <a:xfrm>
+            <a:off x="4666680" y="1658818"/>
+            <a:ext cx="2337499" cy="461665"/>
+          </a:xfrm>
+          <a:prstGeom prst="rect">
+            <a:avLst/>
+          </a:prstGeom>
+          <a:noFill/>
+        </p:spPr>
+        <p:txBody>
+          <a:bodyPr wrap="none" rtlCol="0">
+            <a:spAutoFit/>
+          </a:bodyPr>
+          <a:lstStyle/>
+          <a:p>
+            <a:pPr algn="ctr"/>
+            <a:r>
+              <a:rPr lang="en-US" altLang="zh-CN" sz="2400" b="1" dirty="0">
+                <a:solidFill>
+                  <a:schemeClr val="accent1"/>
+                </a:solidFill>
+              </a:rPr>
+              <a:t>This Repository</a:t>
+            </a:r>
+            <a:endParaRPr lang="zh-CN" altLang="en-US" sz="2400" b="1" dirty="0">
+              <a:solidFill>
+                <a:schemeClr val="accent1"/>
+              </a:solidFill>
+            </a:endParaRPr>
+          </a:p>
+        </p:txBody>
+      </p:sp>
+      <p:sp>
+        <p:nvSpPr>
+          <p:cNvPr id="10" name="文本框 9">
+            <a:extLst>
+              <a:ext uri="{FF2B5EF4-FFF2-40B4-BE49-F238E27FC236}">
+                <a16:creationId xmlns:a16="http://schemas.microsoft.com/office/drawing/2014/main" id="{0454C0F4-B7C2-CE6A-1F1E-8C1A0EB72013}"/>
+              </a:ext>
+            </a:extLst>
+          </p:cNvPr>
+          <p:cNvSpPr txBox="1"/>
+          <p:nvPr/>
+        </p:nvSpPr>
+        <p:spPr>
+          <a:xfrm>
+            <a:off x="7426281" y="2052097"/>
+            <a:ext cx="936354" cy="400110"/>
+          </a:xfrm>
+          <a:prstGeom prst="rect">
+            <a:avLst/>
+          </a:prstGeom>
+          <a:solidFill>
+            <a:schemeClr val="accent1">
+              <a:lumMod val="60000"/>
+              <a:lumOff val="40000"/>
+            </a:schemeClr>
+          </a:solidFill>
+        </p:spPr>
+        <p:txBody>
+          <a:bodyPr wrap="square">
+            <a:spAutoFit/>
+          </a:bodyPr>
+          <a:lstStyle/>
+          <a:p>
+            <a:pPr algn="ctr"/>
+            <a:r>
+              <a:rPr lang="en-US" altLang="zh-CN" sz="2000" b="1" dirty="0">
+                <a:solidFill>
+                  <a:srgbClr val="FF0000"/>
+                </a:solidFill>
+                <a:latin typeface="Times New Roman" panose="02020603050405020304" pitchFamily="18" charset="0"/>
+                <a:cs typeface="Times New Roman" panose="02020603050405020304" pitchFamily="18" charset="0"/>
+              </a:rPr>
+              <a:t>API</a:t>
+            </a:r>
+            <a:endParaRPr lang="zh-CN" altLang="en-US" sz="2000" b="1" dirty="0">
+              <a:solidFill>
+                <a:srgbClr val="FF0000"/>
+              </a:solidFill>
+              <a:latin typeface="Times New Roman" panose="02020603050405020304" pitchFamily="18" charset="0"/>
+              <a:cs typeface="Times New Roman" panose="02020603050405020304" pitchFamily="18" charset="0"/>
+            </a:endParaRPr>
+          </a:p>
+        </p:txBody>
+      </p:sp>
+      <p:sp>
+        <p:nvSpPr>
+          <p:cNvPr id="2" name="文本框 1">
+            <a:extLst>
+              <a:ext uri="{FF2B5EF4-FFF2-40B4-BE49-F238E27FC236}">
+                <a16:creationId xmlns:a16="http://schemas.microsoft.com/office/drawing/2014/main" id="{0F546A5D-7657-B71A-1CA4-25D2770C73AB}"/>
+              </a:ext>
+            </a:extLst>
+          </p:cNvPr>
+          <p:cNvSpPr txBox="1"/>
+          <p:nvPr/>
+        </p:nvSpPr>
+        <p:spPr>
+          <a:xfrm>
+            <a:off x="8218487" y="3265666"/>
+            <a:ext cx="1766829" cy="830997"/>
+          </a:xfrm>
+          <a:prstGeom prst="rect">
+            <a:avLst/>
+          </a:prstGeom>
+          <a:noFill/>
+        </p:spPr>
+        <p:txBody>
+          <a:bodyPr wrap="none" rtlCol="0">
+            <a:spAutoFit/>
+          </a:bodyPr>
+          <a:lstStyle/>
+          <a:p>
+            <a:pPr algn="ctr"/>
+            <a:r>
+              <a:rPr lang="en-US" altLang="zh-CN" sz="2400" b="1" dirty="0"/>
+              <a:t>Experiment</a:t>
+            </a:r>
+            <a:br>
+              <a:rPr lang="en-US" altLang="zh-CN" sz="2400" b="1" dirty="0"/>
+            </a:br>
+            <a:r>
+              <a:rPr lang="en-US" altLang="zh-CN" sz="2400" b="1" dirty="0"/>
+              <a:t>Codes</a:t>
+            </a:r>
+            <a:endParaRPr lang="zh-CN" altLang="en-US" sz="2400" b="1" dirty="0"/>
+          </a:p>
+        </p:txBody>
+      </p:sp>
+      <p:sp>
+        <p:nvSpPr>
+          <p:cNvPr id="3" name="十字形 2">
+            <a:extLst>
+              <a:ext uri="{FF2B5EF4-FFF2-40B4-BE49-F238E27FC236}">
+                <a16:creationId xmlns:a16="http://schemas.microsoft.com/office/drawing/2014/main" id="{6CAD925D-281B-EE5B-29E8-60686881FDB9}"/>
+              </a:ext>
+            </a:extLst>
+          </p:cNvPr>
+          <p:cNvSpPr/>
+          <p:nvPr/>
+        </p:nvSpPr>
+        <p:spPr>
+          <a:xfrm>
+            <a:off x="7591153" y="3365254"/>
+            <a:ext cx="559836" cy="522514"/>
+          </a:xfrm>
+          <a:prstGeom prst="plus">
+            <a:avLst>
+              <a:gd name="adj" fmla="val 46070"/>
+            </a:avLst>
+          </a:prstGeom>
+        </p:spPr>
+        <p:style>
+          <a:lnRef idx="2">
+            <a:schemeClr val="accent1">
+              <a:shade val="50000"/>
+            </a:schemeClr>
+          </a:lnRef>
+          <a:fillRef idx="1">
+            <a:schemeClr val="accent1"/>
+          </a:fillRef>
+          <a:effectRef idx="0">
+            <a:schemeClr val="accent1"/>
+          </a:effectRef>
+          <a:fontRef idx="minor">
+            <a:schemeClr val="lt1"/>
+          </a:fontRef>
+        </p:style>
+        <p:txBody>
+          <a:bodyPr rtlCol="0" anchor="ctr"/>
+          <a:lstStyle/>
+          <a:p>
+            <a:pPr algn="ctr"/>
+            <a:endParaRPr lang="zh-CN" altLang="en-US"/>
+          </a:p>
+        </p:txBody>
+      </p:sp>
+    </p:spTree>
+    <p:custDataLst>
+      <p:tags r:id="rId1"/>
+    </p:custDataLst>
+    <p:extLst>
+      <p:ext uri="{BB962C8B-B14F-4D97-AF65-F5344CB8AC3E}">
+        <p14:creationId xmlns:p14="http://schemas.microsoft.com/office/powerpoint/2010/main" val="4065246296"/>
+      </p:ext>
+    </p:extLst>
+  </p:cSld>
+  <p:clrMapOvr>
+    <a:masterClrMapping/>
+  </p:clrMapOvr>
+</p:sld>
+</file>
+
 <file path=ppt/tags/tag1.xml><?xml version="1.0" encoding="utf-8"?>
 <p:tagLst xmlns:a="http://schemas.openxmlformats.org/drawingml/2006/main" xmlns:r="http://schemas.openxmlformats.org/officeDocument/2006/relationships" xmlns:p="http://schemas.openxmlformats.org/presentationml/2006/main">
   <p:tag name="ISLIDE.ICON" val="#21433;"/>
@@ -4441,6 +5595,12 @@
 </file>
 
 <file path=ppt/tags/tag2.xml><?xml version="1.0" encoding="utf-8"?>
+<p:tagLst xmlns:a="http://schemas.openxmlformats.org/drawingml/2006/main" xmlns:r="http://schemas.openxmlformats.org/officeDocument/2006/relationships" xmlns:p="http://schemas.openxmlformats.org/presentationml/2006/main">
+  <p:tag name="ISLIDE.ICON" val="#21433;"/>
+</p:tagLst>
+</file>
+
+<file path=ppt/tags/tag3.xml><?xml version="1.0" encoding="utf-8"?>
 <p:tagLst xmlns:a="http://schemas.openxmlformats.org/drawingml/2006/main" xmlns:r="http://schemas.openxmlformats.org/officeDocument/2006/relationships" xmlns:p="http://schemas.openxmlformats.org/presentationml/2006/main">
   <p:tag name="ISLIDE.ICON" val="#21433;"/>
 </p:tagLst>

--- a/sources/repo_diagram.pptx
+++ b/sources/repo_diagram.pptx
@@ -261,7 +261,7 @@
           <a:p>
             <a:fld id="{884F25A2-1834-48D4-9E2D-CAB7719FBC7D}" type="datetimeFigureOut">
               <a:rPr lang="zh-CN" altLang="en-US" smtClean="0"/>
-              <a:t>2023/11/11</a:t>
+              <a:t>2023/11/25</a:t>
             </a:fld>
             <a:endParaRPr lang="zh-CN" altLang="en-US"/>
           </a:p>
@@ -459,7 +459,7 @@
           <a:p>
             <a:fld id="{884F25A2-1834-48D4-9E2D-CAB7719FBC7D}" type="datetimeFigureOut">
               <a:rPr lang="zh-CN" altLang="en-US" smtClean="0"/>
-              <a:t>2023/11/11</a:t>
+              <a:t>2023/11/25</a:t>
             </a:fld>
             <a:endParaRPr lang="zh-CN" altLang="en-US"/>
           </a:p>
@@ -667,7 +667,7 @@
           <a:p>
             <a:fld id="{884F25A2-1834-48D4-9E2D-CAB7719FBC7D}" type="datetimeFigureOut">
               <a:rPr lang="zh-CN" altLang="en-US" smtClean="0"/>
-              <a:t>2023/11/11</a:t>
+              <a:t>2023/11/25</a:t>
             </a:fld>
             <a:endParaRPr lang="zh-CN" altLang="en-US"/>
           </a:p>
@@ -865,7 +865,7 @@
           <a:p>
             <a:fld id="{884F25A2-1834-48D4-9E2D-CAB7719FBC7D}" type="datetimeFigureOut">
               <a:rPr lang="zh-CN" altLang="en-US" smtClean="0"/>
-              <a:t>2023/11/11</a:t>
+              <a:t>2023/11/25</a:t>
             </a:fld>
             <a:endParaRPr lang="zh-CN" altLang="en-US"/>
           </a:p>
@@ -1140,7 +1140,7 @@
           <a:p>
             <a:fld id="{884F25A2-1834-48D4-9E2D-CAB7719FBC7D}" type="datetimeFigureOut">
               <a:rPr lang="zh-CN" altLang="en-US" smtClean="0"/>
-              <a:t>2023/11/11</a:t>
+              <a:t>2023/11/25</a:t>
             </a:fld>
             <a:endParaRPr lang="zh-CN" altLang="en-US"/>
           </a:p>
@@ -1405,7 +1405,7 @@
           <a:p>
             <a:fld id="{884F25A2-1834-48D4-9E2D-CAB7719FBC7D}" type="datetimeFigureOut">
               <a:rPr lang="zh-CN" altLang="en-US" smtClean="0"/>
-              <a:t>2023/11/11</a:t>
+              <a:t>2023/11/25</a:t>
             </a:fld>
             <a:endParaRPr lang="zh-CN" altLang="en-US"/>
           </a:p>
@@ -1817,7 +1817,7 @@
           <a:p>
             <a:fld id="{884F25A2-1834-48D4-9E2D-CAB7719FBC7D}" type="datetimeFigureOut">
               <a:rPr lang="zh-CN" altLang="en-US" smtClean="0"/>
-              <a:t>2023/11/11</a:t>
+              <a:t>2023/11/25</a:t>
             </a:fld>
             <a:endParaRPr lang="zh-CN" altLang="en-US"/>
           </a:p>
@@ -1958,7 +1958,7 @@
           <a:p>
             <a:fld id="{884F25A2-1834-48D4-9E2D-CAB7719FBC7D}" type="datetimeFigureOut">
               <a:rPr lang="zh-CN" altLang="en-US" smtClean="0"/>
-              <a:t>2023/11/11</a:t>
+              <a:t>2023/11/25</a:t>
             </a:fld>
             <a:endParaRPr lang="zh-CN" altLang="en-US"/>
           </a:p>
@@ -2071,7 +2071,7 @@
           <a:p>
             <a:fld id="{884F25A2-1834-48D4-9E2D-CAB7719FBC7D}" type="datetimeFigureOut">
               <a:rPr lang="zh-CN" altLang="en-US" smtClean="0"/>
-              <a:t>2023/11/11</a:t>
+              <a:t>2023/11/25</a:t>
             </a:fld>
             <a:endParaRPr lang="zh-CN" altLang="en-US"/>
           </a:p>
@@ -2382,7 +2382,7 @@
           <a:p>
             <a:fld id="{884F25A2-1834-48D4-9E2D-CAB7719FBC7D}" type="datetimeFigureOut">
               <a:rPr lang="zh-CN" altLang="en-US" smtClean="0"/>
-              <a:t>2023/11/11</a:t>
+              <a:t>2023/11/25</a:t>
             </a:fld>
             <a:endParaRPr lang="zh-CN" altLang="en-US"/>
           </a:p>
@@ -2670,7 +2670,7 @@
           <a:p>
             <a:fld id="{884F25A2-1834-48D4-9E2D-CAB7719FBC7D}" type="datetimeFigureOut">
               <a:rPr lang="zh-CN" altLang="en-US" smtClean="0"/>
-              <a:t>2023/11/11</a:t>
+              <a:t>2023/11/25</a:t>
             </a:fld>
             <a:endParaRPr lang="zh-CN" altLang="en-US"/>
           </a:p>
@@ -2911,7 +2911,7 @@
           <a:p>
             <a:fld id="{884F25A2-1834-48D4-9E2D-CAB7719FBC7D}" type="datetimeFigureOut">
               <a:rPr lang="zh-CN" altLang="en-US" smtClean="0"/>
-              <a:t>2023/11/11</a:t>
+              <a:t>2023/11/25</a:t>
             </a:fld>
             <a:endParaRPr lang="zh-CN" altLang="en-US"/>
           </a:p>
@@ -3358,6 +3358,36 @@
           </a:prstGeom>
         </p:spPr>
       </p:pic>
+      <p:pic>
+        <p:nvPicPr>
+          <p:cNvPr id="3" name="图片 2">
+            <a:extLst>
+              <a:ext uri="{FF2B5EF4-FFF2-40B4-BE49-F238E27FC236}">
+                <a16:creationId xmlns:a16="http://schemas.microsoft.com/office/drawing/2014/main" id="{FC6BA0DA-6AF5-FF4C-BE1D-5630A14EE63F}"/>
+              </a:ext>
+            </a:extLst>
+          </p:cNvPr>
+          <p:cNvPicPr>
+            <a:picLocks noChangeAspect="1"/>
+          </p:cNvPicPr>
+          <p:nvPr/>
+        </p:nvPicPr>
+        <p:blipFill>
+          <a:blip r:embed="rId4"/>
+          <a:stretch>
+            <a:fillRect/>
+          </a:stretch>
+        </p:blipFill>
+        <p:spPr>
+          <a:xfrm>
+            <a:off x="7419682" y="2028629"/>
+            <a:ext cx="4191585" cy="2800741"/>
+          </a:xfrm>
+          <a:prstGeom prst="rect">
+            <a:avLst/>
+          </a:prstGeom>
+        </p:spPr>
+      </p:pic>
     </p:spTree>
     <p:custDataLst>
       <p:tags r:id="rId1"/>
@@ -4959,249 +4989,135 @@
           </a:p>
         </p:txBody>
       </p:sp>
-      <p:grpSp>
-        <p:nvGrpSpPr>
-          <p:cNvPr id="20" name="组合 19">
-            <a:extLst>
-              <a:ext uri="{FF2B5EF4-FFF2-40B4-BE49-F238E27FC236}">
-                <a16:creationId xmlns:a16="http://schemas.microsoft.com/office/drawing/2014/main" id="{BBBDC9A4-ED5E-7925-8960-F15DD17301CE}"/>
-              </a:ext>
-            </a:extLst>
-          </p:cNvPr>
-          <p:cNvGrpSpPr/>
+      <p:sp>
+        <p:nvSpPr>
+          <p:cNvPr id="16" name="文本框 15">
+            <a:extLst>
+              <a:ext uri="{FF2B5EF4-FFF2-40B4-BE49-F238E27FC236}">
+                <a16:creationId xmlns:a16="http://schemas.microsoft.com/office/drawing/2014/main" id="{268C82E0-DC1C-47ED-43CB-AE2E013A8985}"/>
+              </a:ext>
+            </a:extLst>
+          </p:cNvPr>
+          <p:cNvSpPr txBox="1"/>
           <p:nvPr/>
-        </p:nvGrpSpPr>
-        <p:grpSpPr>
+        </p:nvSpPr>
+        <p:spPr>
           <a:xfrm>
-            <a:off x="2415713" y="2026607"/>
-            <a:ext cx="5159646" cy="2738140"/>
-            <a:chOff x="2489718" y="2012482"/>
-            <a:chExt cx="5159646" cy="2738140"/>
+            <a:off x="6082642" y="3211010"/>
+            <a:ext cx="1492717" cy="830997"/>
           </a:xfrm>
-        </p:grpSpPr>
-        <p:sp>
-          <p:nvSpPr>
-            <p:cNvPr id="16" name="文本框 15">
-              <a:extLst>
-                <a:ext uri="{FF2B5EF4-FFF2-40B4-BE49-F238E27FC236}">
-                  <a16:creationId xmlns:a16="http://schemas.microsoft.com/office/drawing/2014/main" id="{268C82E0-DC1C-47ED-43CB-AE2E013A8985}"/>
-                </a:ext>
-              </a:extLst>
-            </p:cNvPr>
-            <p:cNvSpPr txBox="1"/>
-            <p:nvPr/>
-          </p:nvSpPr>
-          <p:spPr>
-            <a:xfrm>
-              <a:off x="6156647" y="3196885"/>
-              <a:ext cx="1492717" cy="830997"/>
-            </a:xfrm>
-            <a:prstGeom prst="rect">
-              <a:avLst/>
-            </a:prstGeom>
-            <a:noFill/>
-          </p:spPr>
-          <p:txBody>
-            <a:bodyPr wrap="none" rtlCol="0">
-              <a:spAutoFit/>
-            </a:bodyPr>
-            <a:lstStyle/>
-            <a:p>
-              <a:pPr algn="ctr"/>
-              <a:r>
-                <a:rPr lang="en-US" altLang="zh-CN" sz="2400" b="1" dirty="0"/>
-                <a:t>Testing</a:t>
-              </a:r>
-              <a:br>
-                <a:rPr lang="en-US" altLang="zh-CN" sz="2400" b="1" dirty="0"/>
-              </a:br>
-              <a:r>
-                <a:rPr lang="en-US" altLang="zh-CN" sz="2400" b="1" dirty="0"/>
-                <a:t>Examples</a:t>
-              </a:r>
-              <a:endParaRPr lang="zh-CN" altLang="en-US" sz="2400" b="1" dirty="0"/>
-            </a:p>
-          </p:txBody>
-        </p:sp>
-        <p:sp>
-          <p:nvSpPr>
-            <p:cNvPr id="17" name="十字形 16">
-              <a:extLst>
-                <a:ext uri="{FF2B5EF4-FFF2-40B4-BE49-F238E27FC236}">
-                  <a16:creationId xmlns:a16="http://schemas.microsoft.com/office/drawing/2014/main" id="{25D21F02-3AAC-0332-2D06-BF8D90207485}"/>
-                </a:ext>
-              </a:extLst>
-            </p:cNvPr>
-            <p:cNvSpPr/>
-            <p:nvPr/>
-          </p:nvSpPr>
-          <p:spPr>
-            <a:xfrm>
-              <a:off x="5596811" y="3351129"/>
-              <a:ext cx="559836" cy="522514"/>
-            </a:xfrm>
-            <a:prstGeom prst="plus">
-              <a:avLst>
-                <a:gd name="adj" fmla="val 46070"/>
-              </a:avLst>
-            </a:prstGeom>
-          </p:spPr>
-          <p:style>
-            <a:lnRef idx="2">
-              <a:schemeClr val="accent1">
-                <a:shade val="50000"/>
-              </a:schemeClr>
-            </a:lnRef>
-            <a:fillRef idx="1">
-              <a:schemeClr val="accent1"/>
-            </a:fillRef>
-            <a:effectRef idx="0">
-              <a:schemeClr val="accent1"/>
-            </a:effectRef>
-            <a:fontRef idx="minor">
-              <a:schemeClr val="lt1"/>
-            </a:fontRef>
-          </p:style>
-          <p:txBody>
-            <a:bodyPr rtlCol="0" anchor="ctr"/>
-            <a:lstStyle/>
-            <a:p>
-              <a:pPr algn="ctr"/>
-              <a:endParaRPr lang="zh-CN" altLang="en-US"/>
-            </a:p>
-          </p:txBody>
-        </p:sp>
-        <p:grpSp>
-          <p:nvGrpSpPr>
-            <p:cNvPr id="19" name="组合 18">
-              <a:extLst>
-                <a:ext uri="{FF2B5EF4-FFF2-40B4-BE49-F238E27FC236}">
-                  <a16:creationId xmlns:a16="http://schemas.microsoft.com/office/drawing/2014/main" id="{820A1F26-10EF-9F0C-6169-1EF89BCE10C2}"/>
-                </a:ext>
-              </a:extLst>
-            </p:cNvPr>
-            <p:cNvGrpSpPr/>
-            <p:nvPr/>
-          </p:nvGrpSpPr>
-          <p:grpSpPr>
-            <a:xfrm>
-              <a:off x="2489718" y="2012482"/>
-              <a:ext cx="3009900" cy="2738140"/>
-              <a:chOff x="2489718" y="2012482"/>
-              <a:chExt cx="3009900" cy="2738140"/>
-            </a:xfrm>
-          </p:grpSpPr>
-          <p:pic>
-            <p:nvPicPr>
-              <p:cNvPr id="7" name="图片 6">
-                <a:extLst>
-                  <a:ext uri="{FF2B5EF4-FFF2-40B4-BE49-F238E27FC236}">
-                    <a16:creationId xmlns:a16="http://schemas.microsoft.com/office/drawing/2014/main" id="{941BCEFE-BB77-8501-14AE-75621981AC16}"/>
-                  </a:ext>
-                </a:extLst>
-              </p:cNvPr>
-              <p:cNvPicPr>
-                <a:picLocks noChangeAspect="1"/>
-              </p:cNvPicPr>
-              <p:nvPr/>
-            </p:nvPicPr>
-            <p:blipFill>
-              <a:blip r:embed="rId3"/>
-              <a:stretch>
-                <a:fillRect/>
-              </a:stretch>
-            </p:blipFill>
-            <p:spPr>
-              <a:xfrm>
-                <a:off x="2489718" y="2474147"/>
-                <a:ext cx="3009900" cy="2276475"/>
-              </a:xfrm>
-              <a:prstGeom prst="rect">
-                <a:avLst/>
-              </a:prstGeom>
-            </p:spPr>
-          </p:pic>
-          <p:sp>
-            <p:nvSpPr>
-              <p:cNvPr id="18" name="文本框 17">
-                <a:extLst>
-                  <a:ext uri="{FF2B5EF4-FFF2-40B4-BE49-F238E27FC236}">
-                    <a16:creationId xmlns:a16="http://schemas.microsoft.com/office/drawing/2014/main" id="{07C1E0C2-4D48-725E-3230-F4C08706B907}"/>
-                  </a:ext>
-                </a:extLst>
-              </p:cNvPr>
-              <p:cNvSpPr txBox="1"/>
-              <p:nvPr/>
-            </p:nvSpPr>
-            <p:spPr>
-              <a:xfrm>
-                <a:off x="3183703" y="2012482"/>
-                <a:ext cx="1361270" cy="461665"/>
-              </a:xfrm>
-              <a:prstGeom prst="rect">
-                <a:avLst/>
-              </a:prstGeom>
-              <a:noFill/>
-            </p:spPr>
-            <p:txBody>
-              <a:bodyPr wrap="none" rtlCol="0">
-                <a:spAutoFit/>
-              </a:bodyPr>
-              <a:lstStyle/>
-              <a:p>
-                <a:pPr algn="ctr"/>
-                <a:r>
-                  <a:rPr lang="en-US" altLang="zh-CN" sz="2400" b="1" dirty="0"/>
-                  <a:t>Our APP</a:t>
-                </a:r>
-                <a:endParaRPr lang="zh-CN" altLang="en-US" sz="2400" b="1" dirty="0"/>
-              </a:p>
-            </p:txBody>
-          </p:sp>
-        </p:grpSp>
-      </p:grpSp>
-      <p:cxnSp>
-        <p:nvCxnSpPr>
-          <p:cNvPr id="9" name="直接箭头连接符 8">
-            <a:extLst>
-              <a:ext uri="{FF2B5EF4-FFF2-40B4-BE49-F238E27FC236}">
-                <a16:creationId xmlns:a16="http://schemas.microsoft.com/office/drawing/2014/main" id="{843AA7B7-3E5B-6E9A-E537-19519EA71070}"/>
-              </a:ext>
-            </a:extLst>
-          </p:cNvPr>
-          <p:cNvCxnSpPr>
-            <a:cxnSpLocks/>
-            <a:endCxn id="14" idx="17"/>
-          </p:cNvCxnSpPr>
-          <p:nvPr/>
-        </p:nvCxnSpPr>
-        <p:spPr>
-          <a:xfrm flipV="1">
-            <a:off x="3316941" y="2389344"/>
-            <a:ext cx="3726856" cy="1824754"/>
-          </a:xfrm>
-          <a:prstGeom prst="straightConnector1">
+          <a:prstGeom prst="rect">
             <a:avLst/>
           </a:prstGeom>
-          <a:ln>
-            <a:tailEnd type="triangle"/>
-          </a:ln>
+          <a:noFill/>
+        </p:spPr>
+        <p:txBody>
+          <a:bodyPr wrap="none" rtlCol="0">
+            <a:spAutoFit/>
+          </a:bodyPr>
+          <a:lstStyle/>
+          <a:p>
+            <a:pPr algn="ctr"/>
+            <a:r>
+              <a:rPr lang="en-US" altLang="zh-CN" sz="2400" b="1" dirty="0"/>
+              <a:t>Testing</a:t>
+            </a:r>
+            <a:br>
+              <a:rPr lang="en-US" altLang="zh-CN" sz="2400" b="1" dirty="0"/>
+            </a:br>
+            <a:r>
+              <a:rPr lang="en-US" altLang="zh-CN" sz="2400" b="1" dirty="0"/>
+              <a:t>Examples</a:t>
+            </a:r>
+            <a:endParaRPr lang="zh-CN" altLang="en-US" sz="2400" b="1" dirty="0"/>
+          </a:p>
+        </p:txBody>
+      </p:sp>
+      <p:sp>
+        <p:nvSpPr>
+          <p:cNvPr id="17" name="十字形 16">
+            <a:extLst>
+              <a:ext uri="{FF2B5EF4-FFF2-40B4-BE49-F238E27FC236}">
+                <a16:creationId xmlns:a16="http://schemas.microsoft.com/office/drawing/2014/main" id="{25D21F02-3AAC-0332-2D06-BF8D90207485}"/>
+              </a:ext>
+            </a:extLst>
+          </p:cNvPr>
+          <p:cNvSpPr/>
+          <p:nvPr/>
+        </p:nvSpPr>
+        <p:spPr>
+          <a:xfrm>
+            <a:off x="5522806" y="3365254"/>
+            <a:ext cx="559836" cy="522514"/>
+          </a:xfrm>
+          <a:prstGeom prst="plus">
+            <a:avLst>
+              <a:gd name="adj" fmla="val 46070"/>
+            </a:avLst>
+          </a:prstGeom>
         </p:spPr>
         <p:style>
-          <a:lnRef idx="1">
-            <a:schemeClr val="accent1"/>
+          <a:lnRef idx="2">
+            <a:schemeClr val="accent1">
+              <a:shade val="50000"/>
+            </a:schemeClr>
           </a:lnRef>
-          <a:fillRef idx="0">
+          <a:fillRef idx="1">
             <a:schemeClr val="accent1"/>
           </a:fillRef>
           <a:effectRef idx="0">
             <a:schemeClr val="accent1"/>
           </a:effectRef>
           <a:fontRef idx="minor">
-            <a:schemeClr val="tx1"/>
+            <a:schemeClr val="lt1"/>
           </a:fontRef>
         </p:style>
-      </p:cxnSp>
+        <p:txBody>
+          <a:bodyPr rtlCol="0" anchor="ctr"/>
+          <a:lstStyle/>
+          <a:p>
+            <a:pPr algn="ctr"/>
+            <a:endParaRPr lang="zh-CN" altLang="en-US"/>
+          </a:p>
+        </p:txBody>
+      </p:sp>
+      <p:sp>
+        <p:nvSpPr>
+          <p:cNvPr id="18" name="文本框 17">
+            <a:extLst>
+              <a:ext uri="{FF2B5EF4-FFF2-40B4-BE49-F238E27FC236}">
+                <a16:creationId xmlns:a16="http://schemas.microsoft.com/office/drawing/2014/main" id="{07C1E0C2-4D48-725E-3230-F4C08706B907}"/>
+              </a:ext>
+            </a:extLst>
+          </p:cNvPr>
+          <p:cNvSpPr txBox="1"/>
+          <p:nvPr/>
+        </p:nvSpPr>
+        <p:spPr>
+          <a:xfrm>
+            <a:off x="3109698" y="2026607"/>
+            <a:ext cx="1361270" cy="461665"/>
+          </a:xfrm>
+          <a:prstGeom prst="rect">
+            <a:avLst/>
+          </a:prstGeom>
+          <a:noFill/>
+        </p:spPr>
+        <p:txBody>
+          <a:bodyPr wrap="none" rtlCol="0">
+            <a:spAutoFit/>
+          </a:bodyPr>
+          <a:lstStyle/>
+          <a:p>
+            <a:pPr algn="ctr"/>
+            <a:r>
+              <a:rPr lang="en-US" altLang="zh-CN" sz="2400" b="1" dirty="0"/>
+              <a:t>Our APP</a:t>
+            </a:r>
+            <a:endParaRPr lang="zh-CN" altLang="en-US" sz="2400" b="1" dirty="0"/>
+          </a:p>
+        </p:txBody>
+      </p:sp>
       <p:sp>
         <p:nvSpPr>
           <p:cNvPr id="23" name="文本框 22">
@@ -5238,48 +5154,6 @@
           </a:p>
         </p:txBody>
       </p:sp>
-      <p:cxnSp>
-        <p:nvCxnSpPr>
-          <p:cNvPr id="24" name="直接箭头连接符 23">
-            <a:extLst>
-              <a:ext uri="{FF2B5EF4-FFF2-40B4-BE49-F238E27FC236}">
-                <a16:creationId xmlns:a16="http://schemas.microsoft.com/office/drawing/2014/main" id="{D5A47DA6-7E39-A644-A408-4757E2158510}"/>
-              </a:ext>
-            </a:extLst>
-          </p:cNvPr>
-          <p:cNvCxnSpPr>
-            <a:cxnSpLocks/>
-            <a:stCxn id="14" idx="25"/>
-          </p:cNvCxnSpPr>
-          <p:nvPr/>
-        </p:nvCxnSpPr>
-        <p:spPr>
-          <a:xfrm flipH="1">
-            <a:off x="3442447" y="2601782"/>
-            <a:ext cx="4132912" cy="1813335"/>
-          </a:xfrm>
-          <a:prstGeom prst="straightConnector1">
-            <a:avLst/>
-          </a:prstGeom>
-          <a:ln>
-            <a:tailEnd type="triangle"/>
-          </a:ln>
-        </p:spPr>
-        <p:style>
-          <a:lnRef idx="1">
-            <a:schemeClr val="accent1"/>
-          </a:lnRef>
-          <a:fillRef idx="0">
-            <a:schemeClr val="accent1"/>
-          </a:fillRef>
-          <a:effectRef idx="0">
-            <a:schemeClr val="accent1"/>
-          </a:effectRef>
-          <a:fontRef idx="minor">
-            <a:schemeClr val="tx1"/>
-          </a:fontRef>
-        </p:style>
-      </p:cxnSp>
       <p:sp>
         <p:nvSpPr>
           <p:cNvPr id="28" name="文本框 27">
@@ -5572,6 +5446,120 @@
           </a:p>
         </p:txBody>
       </p:sp>
+      <p:pic>
+        <p:nvPicPr>
+          <p:cNvPr id="5" name="图片 4">
+            <a:extLst>
+              <a:ext uri="{FF2B5EF4-FFF2-40B4-BE49-F238E27FC236}">
+                <a16:creationId xmlns:a16="http://schemas.microsoft.com/office/drawing/2014/main" id="{9EA6065A-152C-2CDC-11F1-5E73FE2EFD04}"/>
+              </a:ext>
+            </a:extLst>
+          </p:cNvPr>
+          <p:cNvPicPr>
+            <a:picLocks noChangeAspect="1"/>
+          </p:cNvPicPr>
+          <p:nvPr/>
+        </p:nvPicPr>
+        <p:blipFill>
+          <a:blip r:embed="rId3"/>
+          <a:stretch>
+            <a:fillRect/>
+          </a:stretch>
+        </p:blipFill>
+        <p:spPr>
+          <a:xfrm>
+            <a:off x="2414675" y="2662927"/>
+            <a:ext cx="3047784" cy="2036474"/>
+          </a:xfrm>
+          <a:prstGeom prst="rect">
+            <a:avLst/>
+          </a:prstGeom>
+        </p:spPr>
+      </p:pic>
+      <p:cxnSp>
+        <p:nvCxnSpPr>
+          <p:cNvPr id="9" name="直接箭头连接符 8">
+            <a:extLst>
+              <a:ext uri="{FF2B5EF4-FFF2-40B4-BE49-F238E27FC236}">
+                <a16:creationId xmlns:a16="http://schemas.microsoft.com/office/drawing/2014/main" id="{843AA7B7-3E5B-6E9A-E537-19519EA71070}"/>
+              </a:ext>
+            </a:extLst>
+          </p:cNvPr>
+          <p:cNvCxnSpPr>
+            <a:cxnSpLocks/>
+            <a:endCxn id="14" idx="17"/>
+          </p:cNvCxnSpPr>
+          <p:nvPr/>
+        </p:nvCxnSpPr>
+        <p:spPr>
+          <a:xfrm flipV="1">
+            <a:off x="3696932" y="2389344"/>
+            <a:ext cx="3346865" cy="2077881"/>
+          </a:xfrm>
+          <a:prstGeom prst="straightConnector1">
+            <a:avLst/>
+          </a:prstGeom>
+          <a:ln>
+            <a:tailEnd type="triangle"/>
+          </a:ln>
+        </p:spPr>
+        <p:style>
+          <a:lnRef idx="1">
+            <a:schemeClr val="accent1"/>
+          </a:lnRef>
+          <a:fillRef idx="0">
+            <a:schemeClr val="accent1"/>
+          </a:fillRef>
+          <a:effectRef idx="0">
+            <a:schemeClr val="accent1"/>
+          </a:effectRef>
+          <a:fontRef idx="minor">
+            <a:schemeClr val="tx1"/>
+          </a:fontRef>
+        </p:style>
+      </p:cxnSp>
+      <p:cxnSp>
+        <p:nvCxnSpPr>
+          <p:cNvPr id="24" name="直接箭头连接符 23">
+            <a:extLst>
+              <a:ext uri="{FF2B5EF4-FFF2-40B4-BE49-F238E27FC236}">
+                <a16:creationId xmlns:a16="http://schemas.microsoft.com/office/drawing/2014/main" id="{D5A47DA6-7E39-A644-A408-4757E2158510}"/>
+              </a:ext>
+            </a:extLst>
+          </p:cNvPr>
+          <p:cNvCxnSpPr>
+            <a:cxnSpLocks/>
+            <a:stCxn id="14" idx="25"/>
+          </p:cNvCxnSpPr>
+          <p:nvPr/>
+        </p:nvCxnSpPr>
+        <p:spPr>
+          <a:xfrm flipH="1">
+            <a:off x="3749675" y="2601782"/>
+            <a:ext cx="3825684" cy="1925768"/>
+          </a:xfrm>
+          <a:prstGeom prst="straightConnector1">
+            <a:avLst/>
+          </a:prstGeom>
+          <a:ln>
+            <a:tailEnd type="triangle"/>
+          </a:ln>
+        </p:spPr>
+        <p:style>
+          <a:lnRef idx="1">
+            <a:schemeClr val="accent1"/>
+          </a:lnRef>
+          <a:fillRef idx="0">
+            <a:schemeClr val="accent1"/>
+          </a:fillRef>
+          <a:effectRef idx="0">
+            <a:schemeClr val="accent1"/>
+          </a:effectRef>
+          <a:fontRef idx="minor">
+            <a:schemeClr val="tx1"/>
+          </a:fontRef>
+        </p:style>
+      </p:cxnSp>
     </p:spTree>
     <p:custDataLst>
       <p:tags r:id="rId1"/>

--- a/sources/repo_diagram.pptx
+++ b/sources/repo_diagram.pptx
@@ -261,7 +261,7 @@
           <a:p>
             <a:fld id="{884F25A2-1834-48D4-9E2D-CAB7719FBC7D}" type="datetimeFigureOut">
               <a:rPr lang="zh-CN" altLang="en-US" smtClean="0"/>
-              <a:t>2023/11/25</a:t>
+              <a:t>2023/12/4</a:t>
             </a:fld>
             <a:endParaRPr lang="zh-CN" altLang="en-US"/>
           </a:p>
@@ -459,7 +459,7 @@
           <a:p>
             <a:fld id="{884F25A2-1834-48D4-9E2D-CAB7719FBC7D}" type="datetimeFigureOut">
               <a:rPr lang="zh-CN" altLang="en-US" smtClean="0"/>
-              <a:t>2023/11/25</a:t>
+              <a:t>2023/12/4</a:t>
             </a:fld>
             <a:endParaRPr lang="zh-CN" altLang="en-US"/>
           </a:p>
@@ -667,7 +667,7 @@
           <a:p>
             <a:fld id="{884F25A2-1834-48D4-9E2D-CAB7719FBC7D}" type="datetimeFigureOut">
               <a:rPr lang="zh-CN" altLang="en-US" smtClean="0"/>
-              <a:t>2023/11/25</a:t>
+              <a:t>2023/12/4</a:t>
             </a:fld>
             <a:endParaRPr lang="zh-CN" altLang="en-US"/>
           </a:p>
@@ -865,7 +865,7 @@
           <a:p>
             <a:fld id="{884F25A2-1834-48D4-9E2D-CAB7719FBC7D}" type="datetimeFigureOut">
               <a:rPr lang="zh-CN" altLang="en-US" smtClean="0"/>
-              <a:t>2023/11/25</a:t>
+              <a:t>2023/12/4</a:t>
             </a:fld>
             <a:endParaRPr lang="zh-CN" altLang="en-US"/>
           </a:p>
@@ -1140,7 +1140,7 @@
           <a:p>
             <a:fld id="{884F25A2-1834-48D4-9E2D-CAB7719FBC7D}" type="datetimeFigureOut">
               <a:rPr lang="zh-CN" altLang="en-US" smtClean="0"/>
-              <a:t>2023/11/25</a:t>
+              <a:t>2023/12/4</a:t>
             </a:fld>
             <a:endParaRPr lang="zh-CN" altLang="en-US"/>
           </a:p>
@@ -1405,7 +1405,7 @@
           <a:p>
             <a:fld id="{884F25A2-1834-48D4-9E2D-CAB7719FBC7D}" type="datetimeFigureOut">
               <a:rPr lang="zh-CN" altLang="en-US" smtClean="0"/>
-              <a:t>2023/11/25</a:t>
+              <a:t>2023/12/4</a:t>
             </a:fld>
             <a:endParaRPr lang="zh-CN" altLang="en-US"/>
           </a:p>
@@ -1817,7 +1817,7 @@
           <a:p>
             <a:fld id="{884F25A2-1834-48D4-9E2D-CAB7719FBC7D}" type="datetimeFigureOut">
               <a:rPr lang="zh-CN" altLang="en-US" smtClean="0"/>
-              <a:t>2023/11/25</a:t>
+              <a:t>2023/12/4</a:t>
             </a:fld>
             <a:endParaRPr lang="zh-CN" altLang="en-US"/>
           </a:p>
@@ -1958,7 +1958,7 @@
           <a:p>
             <a:fld id="{884F25A2-1834-48D4-9E2D-CAB7719FBC7D}" type="datetimeFigureOut">
               <a:rPr lang="zh-CN" altLang="en-US" smtClean="0"/>
-              <a:t>2023/11/25</a:t>
+              <a:t>2023/12/4</a:t>
             </a:fld>
             <a:endParaRPr lang="zh-CN" altLang="en-US"/>
           </a:p>
@@ -2071,7 +2071,7 @@
           <a:p>
             <a:fld id="{884F25A2-1834-48D4-9E2D-CAB7719FBC7D}" type="datetimeFigureOut">
               <a:rPr lang="zh-CN" altLang="en-US" smtClean="0"/>
-              <a:t>2023/11/25</a:t>
+              <a:t>2023/12/4</a:t>
             </a:fld>
             <a:endParaRPr lang="zh-CN" altLang="en-US"/>
           </a:p>
@@ -2382,7 +2382,7 @@
           <a:p>
             <a:fld id="{884F25A2-1834-48D4-9E2D-CAB7719FBC7D}" type="datetimeFigureOut">
               <a:rPr lang="zh-CN" altLang="en-US" smtClean="0"/>
-              <a:t>2023/11/25</a:t>
+              <a:t>2023/12/4</a:t>
             </a:fld>
             <a:endParaRPr lang="zh-CN" altLang="en-US"/>
           </a:p>
@@ -2670,7 +2670,7 @@
           <a:p>
             <a:fld id="{884F25A2-1834-48D4-9E2D-CAB7719FBC7D}" type="datetimeFigureOut">
               <a:rPr lang="zh-CN" altLang="en-US" smtClean="0"/>
-              <a:t>2023/11/25</a:t>
+              <a:t>2023/12/4</a:t>
             </a:fld>
             <a:endParaRPr lang="zh-CN" altLang="en-US"/>
           </a:p>
@@ -2911,7 +2911,7 @@
           <a:p>
             <a:fld id="{884F25A2-1834-48D4-9E2D-CAB7719FBC7D}" type="datetimeFigureOut">
               <a:rPr lang="zh-CN" altLang="en-US" smtClean="0"/>
-              <a:t>2023/11/25</a:t>
+              <a:t>2023/12/4</a:t>
             </a:fld>
             <a:endParaRPr lang="zh-CN" altLang="en-US"/>
           </a:p>
@@ -4497,7 +4497,7 @@
         <p:spPr>
           <a:xfrm>
             <a:off x="2333287" y="2044059"/>
-            <a:ext cx="7883734" cy="2850671"/>
+            <a:ext cx="7883734" cy="2906089"/>
           </a:xfrm>
           <a:prstGeom prst="rect">
             <a:avLst/>
@@ -5560,6 +5560,99 @@
           </a:fontRef>
         </p:style>
       </p:cxnSp>
+      <p:sp>
+        <p:nvSpPr>
+          <p:cNvPr id="4" name="文本框 3">
+            <a:extLst>
+              <a:ext uri="{FF2B5EF4-FFF2-40B4-BE49-F238E27FC236}">
+                <a16:creationId xmlns:a16="http://schemas.microsoft.com/office/drawing/2014/main" id="{73C31712-7F56-5C35-BC9F-A7D9071A9D8B}"/>
+              </a:ext>
+            </a:extLst>
+          </p:cNvPr>
+          <p:cNvSpPr txBox="1"/>
+          <p:nvPr/>
+        </p:nvSpPr>
+        <p:spPr>
+          <a:xfrm>
+            <a:off x="7375937" y="4119151"/>
+            <a:ext cx="1350050" cy="830997"/>
+          </a:xfrm>
+          <a:prstGeom prst="rect">
+            <a:avLst/>
+          </a:prstGeom>
+          <a:noFill/>
+        </p:spPr>
+        <p:txBody>
+          <a:bodyPr wrap="none" rtlCol="0">
+            <a:spAutoFit/>
+          </a:bodyPr>
+          <a:lstStyle/>
+          <a:p>
+            <a:pPr algn="ctr"/>
+            <a:r>
+              <a:rPr lang="en-US" altLang="zh-CN" sz="2400" b="1" dirty="0" err="1"/>
+              <a:t>CmpTab</a:t>
+            </a:r>
+            <a:endParaRPr lang="en-US" altLang="zh-CN" sz="2400" b="1" dirty="0"/>
+          </a:p>
+          <a:p>
+            <a:pPr algn="ctr"/>
+            <a:r>
+              <a:rPr lang="en-US" altLang="zh-CN" sz="2400" b="1" dirty="0"/>
+              <a:t>Dataset</a:t>
+            </a:r>
+            <a:endParaRPr lang="zh-CN" altLang="en-US" sz="2400" b="1" dirty="0"/>
+          </a:p>
+        </p:txBody>
+      </p:sp>
+      <p:sp>
+        <p:nvSpPr>
+          <p:cNvPr id="6" name="十字形 5">
+            <a:extLst>
+              <a:ext uri="{FF2B5EF4-FFF2-40B4-BE49-F238E27FC236}">
+                <a16:creationId xmlns:a16="http://schemas.microsoft.com/office/drawing/2014/main" id="{D44214DC-D114-7048-65CD-12C502A8D157}"/>
+              </a:ext>
+            </a:extLst>
+          </p:cNvPr>
+          <p:cNvSpPr/>
+          <p:nvPr/>
+        </p:nvSpPr>
+        <p:spPr>
+          <a:xfrm>
+            <a:off x="6540212" y="4218739"/>
+            <a:ext cx="559836" cy="522514"/>
+          </a:xfrm>
+          <a:prstGeom prst="plus">
+            <a:avLst>
+              <a:gd name="adj" fmla="val 46070"/>
+            </a:avLst>
+          </a:prstGeom>
+        </p:spPr>
+        <p:style>
+          <a:lnRef idx="2">
+            <a:schemeClr val="accent1">
+              <a:shade val="50000"/>
+            </a:schemeClr>
+          </a:lnRef>
+          <a:fillRef idx="1">
+            <a:schemeClr val="accent1"/>
+          </a:fillRef>
+          <a:effectRef idx="0">
+            <a:schemeClr val="accent1"/>
+          </a:effectRef>
+          <a:fontRef idx="minor">
+            <a:schemeClr val="lt1"/>
+          </a:fontRef>
+        </p:style>
+        <p:txBody>
+          <a:bodyPr rtlCol="0" anchor="ctr"/>
+          <a:lstStyle/>
+          <a:p>
+            <a:pPr algn="ctr"/>
+            <a:endParaRPr lang="zh-CN" altLang="en-US"/>
+          </a:p>
+        </p:txBody>
+      </p:sp>
     </p:spTree>
     <p:custDataLst>
       <p:tags r:id="rId1"/>
